--- a/연구 보고서/movieProject_Final_Report.pptx
+++ b/연구 보고서/movieProject_Final_Report.pptx
@@ -1050,6 +1050,14 @@
         </dgm:presLayoutVars>
       </dgm:prSet>
       <dgm:spPr/>
+      <dgm:t>
+        <a:bodyPr/>
+        <a:lstStyle/>
+        <a:p>
+          <a:pPr latinLnBrk="1"/>
+          <a:endParaRPr lang="ko-KR" altLang="en-US"/>
+        </a:p>
+      </dgm:t>
     </dgm:pt>
     <dgm:pt modelId="{F293AD86-4481-4BDD-9F8B-77FF23A6E088}" type="pres">
       <dgm:prSet presAssocID="{BBBF3A3D-BD90-4B11-8A0A-3713FDBCAEEF}" presName="ellipse" presStyleLbl="trBgShp" presStyleIdx="0" presStyleCnt="1"/>
@@ -1098,6 +1106,14 @@
         </dgm:presLayoutVars>
       </dgm:prSet>
       <dgm:spPr/>
+      <dgm:t>
+        <a:bodyPr/>
+        <a:lstStyle/>
+        <a:p>
+          <a:pPr latinLnBrk="1"/>
+          <a:endParaRPr lang="ko-KR" altLang="en-US"/>
+        </a:p>
+      </dgm:t>
     </dgm:pt>
     <dgm:pt modelId="{06AE8D7A-0233-466F-9559-E8A5832685C4}" type="pres">
       <dgm:prSet presAssocID="{9F5814C4-9578-4ABD-9178-ED21435A12D8}" presName="item3" presStyleLbl="node1" presStyleIdx="2" presStyleCnt="3">
@@ -1122,14 +1138,14 @@
   </dgm:ptLst>
   <dgm:cxnLst>
     <dgm:cxn modelId="{90FE3B75-087C-447C-8058-09164DCBAC27}" srcId="{BBBF3A3D-BD90-4B11-8A0A-3713FDBCAEEF}" destId="{9F5814C4-9578-4ABD-9178-ED21435A12D8}" srcOrd="3" destOrd="0" parTransId="{3E66745D-4E47-430D-9802-7266B0C8A448}" sibTransId="{1040CBE4-5C82-4356-9C96-4B6C826BB8D4}"/>
-    <dgm:cxn modelId="{CD04B3E3-EAB3-4283-9739-C1EB7F13B034}" srcId="{BBBF3A3D-BD90-4B11-8A0A-3713FDBCAEEF}" destId="{22E62855-BDC3-4045-BF86-00D9D032578B}" srcOrd="1" destOrd="0" parTransId="{2C002807-E97D-4F12-BA10-600BBEC1E4CA}" sibTransId="{D67FB0B7-493A-405B-A31B-6085680E5471}"/>
-    <dgm:cxn modelId="{67AFEDA6-9C76-447D-BE44-0FDD23AADE63}" type="presOf" srcId="{198D2FCD-4915-4233-8C22-94D67190C0AD}" destId="{4C934461-DBA5-431A-B5CC-7929885ABA86}" srcOrd="0" destOrd="0" presId="urn:microsoft.com/office/officeart/2005/8/layout/funnel1"/>
-    <dgm:cxn modelId="{75C23FBB-5724-4AB6-8FD4-4D4B3671C309}" type="presOf" srcId="{BBBF3A3D-BD90-4B11-8A0A-3713FDBCAEEF}" destId="{4D30B378-1462-4465-A4F5-AF33EFFEB30C}" srcOrd="0" destOrd="0" presId="urn:microsoft.com/office/officeart/2005/8/layout/funnel1"/>
-    <dgm:cxn modelId="{064C0CA8-6CC2-4EA3-A670-0C5C18BC1172}" type="presOf" srcId="{9F5814C4-9578-4ABD-9178-ED21435A12D8}" destId="{4CC3EEFF-7DB5-4ACE-8E7C-589711E10E61}" srcOrd="0" destOrd="0" presId="urn:microsoft.com/office/officeart/2005/8/layout/funnel1"/>
     <dgm:cxn modelId="{0ADA1726-9159-4867-8FE0-FBCEA8D415C8}" srcId="{BBBF3A3D-BD90-4B11-8A0A-3713FDBCAEEF}" destId="{B464601A-22F6-48E3-88FC-A3790CD07C1F}" srcOrd="0" destOrd="0" parTransId="{C2F353C9-4AF1-4FB9-BF01-EAE3339143F5}" sibTransId="{C6C5BD08-DD48-45DF-AF5C-DD802735140B}"/>
     <dgm:cxn modelId="{A9904A08-123E-4837-B905-2506EA4F8515}" type="presOf" srcId="{B464601A-22F6-48E3-88FC-A3790CD07C1F}" destId="{06AE8D7A-0233-466F-9559-E8A5832685C4}" srcOrd="0" destOrd="0" presId="urn:microsoft.com/office/officeart/2005/8/layout/funnel1"/>
+    <dgm:cxn modelId="{064C0CA8-6CC2-4EA3-A670-0C5C18BC1172}" type="presOf" srcId="{9F5814C4-9578-4ABD-9178-ED21435A12D8}" destId="{4CC3EEFF-7DB5-4ACE-8E7C-589711E10E61}" srcOrd="0" destOrd="0" presId="urn:microsoft.com/office/officeart/2005/8/layout/funnel1"/>
+    <dgm:cxn modelId="{75C23FBB-5724-4AB6-8FD4-4D4B3671C309}" type="presOf" srcId="{BBBF3A3D-BD90-4B11-8A0A-3713FDBCAEEF}" destId="{4D30B378-1462-4465-A4F5-AF33EFFEB30C}" srcOrd="0" destOrd="0" presId="urn:microsoft.com/office/officeart/2005/8/layout/funnel1"/>
     <dgm:cxn modelId="{C80A0DEF-1E55-40F1-9718-B0C96F41F599}" srcId="{BBBF3A3D-BD90-4B11-8A0A-3713FDBCAEEF}" destId="{198D2FCD-4915-4233-8C22-94D67190C0AD}" srcOrd="2" destOrd="0" parTransId="{F1E8C539-ECB1-43AD-B879-0C3E758FD5B6}" sibTransId="{523D5BE8-4424-418F-874E-82B60BC93279}"/>
     <dgm:cxn modelId="{119494E1-182A-41C2-B525-7B05F532DE5E}" type="presOf" srcId="{22E62855-BDC3-4045-BF86-00D9D032578B}" destId="{2B156BB6-8130-46A4-B392-9D8EFC17CEC9}" srcOrd="0" destOrd="0" presId="urn:microsoft.com/office/officeart/2005/8/layout/funnel1"/>
+    <dgm:cxn modelId="{67AFEDA6-9C76-447D-BE44-0FDD23AADE63}" type="presOf" srcId="{198D2FCD-4915-4233-8C22-94D67190C0AD}" destId="{4C934461-DBA5-431A-B5CC-7929885ABA86}" srcOrd="0" destOrd="0" presId="urn:microsoft.com/office/officeart/2005/8/layout/funnel1"/>
+    <dgm:cxn modelId="{CD04B3E3-EAB3-4283-9739-C1EB7F13B034}" srcId="{BBBF3A3D-BD90-4B11-8A0A-3713FDBCAEEF}" destId="{22E62855-BDC3-4045-BF86-00D9D032578B}" srcOrd="1" destOrd="0" parTransId="{2C002807-E97D-4F12-BA10-600BBEC1E4CA}" sibTransId="{D67FB0B7-493A-405B-A31B-6085680E5471}"/>
     <dgm:cxn modelId="{8DFC2664-E62A-42C2-848B-84C6DAF8888D}" type="presParOf" srcId="{4D30B378-1462-4465-A4F5-AF33EFFEB30C}" destId="{F293AD86-4481-4BDD-9F8B-77FF23A6E088}" srcOrd="0" destOrd="0" presId="urn:microsoft.com/office/officeart/2005/8/layout/funnel1"/>
     <dgm:cxn modelId="{48BF9ABA-DF04-4211-924C-F9B45179C282}" type="presParOf" srcId="{4D30B378-1462-4465-A4F5-AF33EFFEB30C}" destId="{748E2F67-254D-4077-9000-6B78D9DDEEE7}" srcOrd="1" destOrd="0" presId="urn:microsoft.com/office/officeart/2005/8/layout/funnel1"/>
     <dgm:cxn modelId="{1ADB343C-0D13-4DF9-B729-ED1B74AB6581}" type="presParOf" srcId="{4D30B378-1462-4465-A4F5-AF33EFFEB30C}" destId="{4CC3EEFF-7DB5-4ACE-8E7C-589711E10E61}" srcOrd="2" destOrd="0" presId="urn:microsoft.com/office/officeart/2005/8/layout/funnel1"/>
@@ -3121,7 +3137,7 @@
           <a:p>
             <a:fld id="{FB30EDBD-1C2D-4C1E-B459-B60219FAB484}" type="datetimeFigureOut">
               <a:rPr lang="ko-KR" altLang="en-US" smtClean="0"/>
-              <a:t>2019-07-08</a:t>
+              <a:t>2019-07-09</a:t>
             </a:fld>
             <a:endParaRPr lang="ko-KR" altLang="en-US"/>
           </a:p>
@@ -3286,7 +3302,7 @@
           <a:p>
             <a:fld id="{FB30EDBD-1C2D-4C1E-B459-B60219FAB484}" type="datetimeFigureOut">
               <a:rPr lang="ko-KR" altLang="en-US" smtClean="0"/>
-              <a:t>2019-07-08</a:t>
+              <a:t>2019-07-09</a:t>
             </a:fld>
             <a:endParaRPr lang="ko-KR" altLang="en-US"/>
           </a:p>
@@ -3461,7 +3477,7 @@
           <a:p>
             <a:fld id="{FB30EDBD-1C2D-4C1E-B459-B60219FAB484}" type="datetimeFigureOut">
               <a:rPr lang="ko-KR" altLang="en-US" smtClean="0"/>
-              <a:t>2019-07-08</a:t>
+              <a:t>2019-07-09</a:t>
             </a:fld>
             <a:endParaRPr lang="ko-KR" altLang="en-US"/>
           </a:p>
@@ -3626,7 +3642,7 @@
           <a:p>
             <a:fld id="{FB30EDBD-1C2D-4C1E-B459-B60219FAB484}" type="datetimeFigureOut">
               <a:rPr lang="ko-KR" altLang="en-US" smtClean="0"/>
-              <a:t>2019-07-08</a:t>
+              <a:t>2019-07-09</a:t>
             </a:fld>
             <a:endParaRPr lang="ko-KR" altLang="en-US"/>
           </a:p>
@@ -3867,7 +3883,7 @@
           <a:p>
             <a:fld id="{FB30EDBD-1C2D-4C1E-B459-B60219FAB484}" type="datetimeFigureOut">
               <a:rPr lang="ko-KR" altLang="en-US" smtClean="0"/>
-              <a:t>2019-07-08</a:t>
+              <a:t>2019-07-09</a:t>
             </a:fld>
             <a:endParaRPr lang="ko-KR" altLang="en-US"/>
           </a:p>
@@ -4150,7 +4166,7 @@
           <a:p>
             <a:fld id="{FB30EDBD-1C2D-4C1E-B459-B60219FAB484}" type="datetimeFigureOut">
               <a:rPr lang="ko-KR" altLang="en-US" smtClean="0"/>
-              <a:t>2019-07-08</a:t>
+              <a:t>2019-07-09</a:t>
             </a:fld>
             <a:endParaRPr lang="ko-KR" altLang="en-US"/>
           </a:p>
@@ -4567,7 +4583,7 @@
           <a:p>
             <a:fld id="{FB30EDBD-1C2D-4C1E-B459-B60219FAB484}" type="datetimeFigureOut">
               <a:rPr lang="ko-KR" altLang="en-US" smtClean="0"/>
-              <a:t>2019-07-08</a:t>
+              <a:t>2019-07-09</a:t>
             </a:fld>
             <a:endParaRPr lang="ko-KR" altLang="en-US"/>
           </a:p>
@@ -4680,7 +4696,7 @@
           <a:p>
             <a:fld id="{FB30EDBD-1C2D-4C1E-B459-B60219FAB484}" type="datetimeFigureOut">
               <a:rPr lang="ko-KR" altLang="en-US" smtClean="0"/>
-              <a:t>2019-07-08</a:t>
+              <a:t>2019-07-09</a:t>
             </a:fld>
             <a:endParaRPr lang="ko-KR" altLang="en-US"/>
           </a:p>
@@ -4770,7 +4786,7 @@
           <a:p>
             <a:fld id="{FB30EDBD-1C2D-4C1E-B459-B60219FAB484}" type="datetimeFigureOut">
               <a:rPr lang="ko-KR" altLang="en-US" smtClean="0"/>
-              <a:t>2019-07-08</a:t>
+              <a:t>2019-07-09</a:t>
             </a:fld>
             <a:endParaRPr lang="ko-KR" altLang="en-US"/>
           </a:p>
@@ -5042,7 +5058,7 @@
           <a:p>
             <a:fld id="{FB30EDBD-1C2D-4C1E-B459-B60219FAB484}" type="datetimeFigureOut">
               <a:rPr lang="ko-KR" altLang="en-US" smtClean="0"/>
-              <a:t>2019-07-08</a:t>
+              <a:t>2019-07-09</a:t>
             </a:fld>
             <a:endParaRPr lang="ko-KR" altLang="en-US"/>
           </a:p>
@@ -5290,7 +5306,7 @@
           <a:p>
             <a:fld id="{FB30EDBD-1C2D-4C1E-B459-B60219FAB484}" type="datetimeFigureOut">
               <a:rPr lang="ko-KR" altLang="en-US" smtClean="0"/>
-              <a:t>2019-07-08</a:t>
+              <a:t>2019-07-09</a:t>
             </a:fld>
             <a:endParaRPr lang="ko-KR" altLang="en-US"/>
           </a:p>
@@ -5498,7 +5514,7 @@
           <a:p>
             <a:fld id="{FB30EDBD-1C2D-4C1E-B459-B60219FAB484}" type="datetimeFigureOut">
               <a:rPr lang="ko-KR" altLang="en-US" smtClean="0"/>
-              <a:t>2019-07-08</a:t>
+              <a:t>2019-07-09</a:t>
             </a:fld>
             <a:endParaRPr lang="ko-KR" altLang="en-US"/>
           </a:p>
@@ -6466,7 +6482,7 @@
         </p:spPr>
         <p:txBody>
           <a:bodyPr anchor="ctr">
-            <a:normAutofit fontScale="40000" lnSpcReduction="20000"/>
+            <a:normAutofit fontScale="32500" lnSpcReduction="20000"/>
           </a:bodyPr>
           <a:lstStyle/>
           <a:p>
@@ -6615,55 +6631,76 @@
             </a:r>
             <a:r>
               <a:rPr lang="ko-KR" altLang="en-US" sz="4000" dirty="0"/>
-              <a:t>연구 절차</a:t>
+              <a:t>연구 </a:t>
+            </a:r>
+            <a:r>
+              <a:rPr lang="ko-KR" altLang="en-US" sz="4000" dirty="0" smtClean="0"/>
+              <a:t>절차</a:t>
             </a:r>
           </a:p>
           <a:p>
             <a:pPr marL="400050" lvl="1" indent="0">
               <a:buNone/>
             </a:pPr>
+            <a:endParaRPr lang="en-US" altLang="ko-KR" sz="4000" dirty="0" smtClean="0"/>
+          </a:p>
+          <a:p>
+            <a:pPr marL="0" indent="0">
+              <a:buNone/>
+            </a:pPr>
+            <a:r>
+              <a:rPr lang="en-US" altLang="ko-KR" sz="5000" dirty="0" smtClean="0"/>
+              <a:t>4. </a:t>
+            </a:r>
+            <a:r>
+              <a:rPr lang="ko-KR" altLang="en-US" sz="5000" dirty="0" smtClean="0"/>
+              <a:t>자</a:t>
+            </a:r>
+            <a:r>
+              <a:rPr lang="ko-KR" altLang="en-US" sz="5000" dirty="0"/>
+              <a:t>료</a:t>
+            </a:r>
+            <a:r>
+              <a:rPr lang="ko-KR" altLang="en-US" sz="5000" dirty="0" smtClean="0"/>
+              <a:t> 수집</a:t>
+            </a:r>
+            <a:endParaRPr lang="en-US" altLang="ko-KR" sz="5000" dirty="0"/>
+          </a:p>
+          <a:p>
+            <a:pPr marL="400050" lvl="1" indent="0">
+              <a:buNone/>
+            </a:pPr>
             <a:r>
               <a:rPr lang="en-US" altLang="ko-KR" sz="4000" dirty="0" smtClean="0"/>
-              <a:t>3.2 </a:t>
+              <a:t>4.1 </a:t>
+            </a:r>
+            <a:r>
+              <a:rPr lang="ko-KR" altLang="en-US" sz="4000" dirty="0" smtClean="0"/>
+              <a:t>출처 및 변수 종류</a:t>
+            </a:r>
+            <a:endParaRPr lang="ko-KR" altLang="en-US" sz="4000" dirty="0"/>
+          </a:p>
+          <a:p>
+            <a:pPr marL="400050" lvl="1" indent="0">
+              <a:buNone/>
+            </a:pPr>
+            <a:r>
+              <a:rPr lang="en-US" altLang="ko-KR" sz="4000" dirty="0"/>
+              <a:t>4</a:t>
+            </a:r>
+            <a:r>
+              <a:rPr lang="en-US" altLang="ko-KR" sz="4000" dirty="0" smtClean="0"/>
+              <a:t>.2 </a:t>
             </a:r>
             <a:r>
               <a:rPr lang="ko-KR" altLang="en-US" sz="4000" dirty="0"/>
-              <a:t>조작적 정의</a:t>
-            </a:r>
-          </a:p>
-          <a:p>
-            <a:pPr marL="400050" lvl="1" indent="0">
-              <a:buNone/>
-            </a:pPr>
-            <a:r>
-              <a:rPr lang="en-US" altLang="ko-KR" sz="4000" dirty="0" smtClean="0"/>
-              <a:t>3.3 </a:t>
-            </a:r>
-            <a:r>
-              <a:rPr lang="ko-KR" altLang="en-US" sz="4000" dirty="0"/>
-              <a:t>연구 방법 </a:t>
-            </a:r>
-            <a:r>
-              <a:rPr lang="en-US" altLang="ko-KR" sz="4000" dirty="0"/>
-              <a:t>(</a:t>
-            </a:r>
-            <a:r>
-              <a:rPr lang="ko-KR" altLang="en-US" sz="4000" dirty="0"/>
-              <a:t>분석</a:t>
-            </a:r>
-            <a:r>
-              <a:rPr lang="en-US" altLang="ko-KR" sz="4000" dirty="0"/>
-              <a:t>/</a:t>
-            </a:r>
-            <a:r>
-              <a:rPr lang="ko-KR" altLang="en-US" sz="4000" dirty="0"/>
-              <a:t>회귀</a:t>
-            </a:r>
-            <a:r>
-              <a:rPr lang="en-US" altLang="ko-KR" sz="4000" dirty="0" smtClean="0"/>
-              <a:t>)</a:t>
-            </a:r>
-            <a:endParaRPr lang="en-US" altLang="ko-KR" sz="4000" dirty="0"/>
+              <a:t>변수 </a:t>
+            </a:r>
+            <a:r>
+              <a:rPr lang="ko-KR" altLang="en-US" sz="4000" dirty="0" smtClean="0"/>
+              <a:t>정의</a:t>
+            </a:r>
+            <a:endParaRPr lang="ko-KR" altLang="en-US" sz="4000" dirty="0"/>
           </a:p>
           <a:p>
             <a:pPr marL="514350" indent="-514350">
@@ -6677,8 +6714,12 @@
               <a:buNone/>
             </a:pPr>
             <a:r>
+              <a:rPr lang="en-US" altLang="ko-KR" sz="5000" dirty="0"/>
+              <a:t>5</a:t>
+            </a:r>
+            <a:r>
               <a:rPr lang="en-US" altLang="ko-KR" sz="5000" dirty="0" smtClean="0"/>
-              <a:t>4. </a:t>
+              <a:t>. </a:t>
             </a:r>
             <a:r>
               <a:rPr lang="ko-KR" altLang="en-US" sz="5000" dirty="0" smtClean="0"/>
@@ -6691,8 +6732,12 @@
               <a:buNone/>
             </a:pPr>
             <a:r>
+              <a:rPr lang="en-US" altLang="ko-KR" sz="4000" dirty="0"/>
+              <a:t>5</a:t>
+            </a:r>
+            <a:r>
               <a:rPr lang="en-US" altLang="ko-KR" sz="4000" dirty="0" smtClean="0"/>
-              <a:t>4.1 </a:t>
+              <a:t>.1 </a:t>
             </a:r>
             <a:r>
               <a:rPr lang="ko-KR" altLang="en-US" sz="4000" dirty="0"/>
@@ -6704,8 +6749,12 @@
               <a:buNone/>
             </a:pPr>
             <a:r>
+              <a:rPr lang="en-US" altLang="ko-KR" sz="4000" dirty="0"/>
+              <a:t>5</a:t>
+            </a:r>
+            <a:r>
               <a:rPr lang="en-US" altLang="ko-KR" sz="4000" dirty="0" smtClean="0"/>
-              <a:t>4.2 </a:t>
+              <a:t>.2 </a:t>
             </a:r>
             <a:r>
               <a:rPr lang="ko-KR" altLang="en-US" sz="4000" dirty="0"/>
@@ -6717,8 +6766,12 @@
               <a:buNone/>
             </a:pPr>
             <a:r>
+              <a:rPr lang="en-US" altLang="ko-KR" sz="4000" dirty="0"/>
+              <a:t>5</a:t>
+            </a:r>
+            <a:r>
               <a:rPr lang="en-US" altLang="ko-KR" sz="4000" dirty="0" smtClean="0"/>
-              <a:t>4.3 </a:t>
+              <a:t>.3 </a:t>
             </a:r>
             <a:r>
               <a:rPr lang="ko-KR" altLang="en-US" sz="4000" dirty="0"/>
@@ -6738,8 +6791,12 @@
               <a:buNone/>
             </a:pPr>
             <a:r>
+              <a:rPr lang="en-US" altLang="ko-KR" sz="5000" dirty="0"/>
+              <a:t>6</a:t>
+            </a:r>
+            <a:r>
               <a:rPr lang="en-US" altLang="ko-KR" sz="5000" dirty="0" smtClean="0"/>
-              <a:t>5. </a:t>
+              <a:t>. </a:t>
             </a:r>
             <a:r>
               <a:rPr lang="ko-KR" altLang="en-US" sz="5000" dirty="0" smtClean="0"/>
@@ -6760,12 +6817,20 @@
               <a:buNone/>
             </a:pPr>
             <a:r>
+              <a:rPr lang="en-US" altLang="ko-KR" sz="4000" dirty="0"/>
+              <a:t>6</a:t>
+            </a:r>
+            <a:r>
               <a:rPr lang="en-US" altLang="ko-KR" sz="4000" dirty="0" smtClean="0"/>
-              <a:t>5.1 </a:t>
+              <a:t>.1 </a:t>
+            </a:r>
+            <a:r>
+              <a:rPr lang="ko-KR" altLang="en-US" sz="4000" dirty="0" smtClean="0"/>
+              <a:t>연구의 </a:t>
             </a:r>
             <a:r>
               <a:rPr lang="ko-KR" altLang="en-US" sz="4000" dirty="0"/>
-              <a:t>연구 결과 요약</a:t>
+              <a:t>시사점과 제언 </a:t>
             </a:r>
           </a:p>
           <a:p>
@@ -6773,21 +6838,12 @@
               <a:buNone/>
             </a:pPr>
             <a:r>
+              <a:rPr lang="en-US" altLang="ko-KR" sz="4000" dirty="0"/>
+              <a:t>6</a:t>
+            </a:r>
+            <a:r>
               <a:rPr lang="en-US" altLang="ko-KR" sz="4000" dirty="0" smtClean="0"/>
-              <a:t>5.2 </a:t>
-            </a:r>
-            <a:r>
-              <a:rPr lang="ko-KR" altLang="en-US" sz="4000" dirty="0"/>
-              <a:t>연구의 시사점과 제언 </a:t>
-            </a:r>
-          </a:p>
-          <a:p>
-            <a:pPr marL="400050" lvl="1" indent="0">
-              <a:buNone/>
-            </a:pPr>
-            <a:r>
-              <a:rPr lang="en-US" altLang="ko-KR" sz="4000" dirty="0" smtClean="0"/>
-              <a:t>5.3 </a:t>
+              <a:t>.2 </a:t>
             </a:r>
             <a:r>
               <a:rPr lang="ko-KR" altLang="en-US" sz="4000" dirty="0"/>
@@ -6797,7 +6853,31 @@
               <a:rPr lang="ko-KR" altLang="en-US" sz="4000" dirty="0" smtClean="0"/>
               <a:t>한계점</a:t>
             </a:r>
-            <a:endParaRPr lang="ko-KR" altLang="en-US" sz="4000" dirty="0"/>
+            <a:endParaRPr lang="en-US" altLang="ko-KR" sz="4000" dirty="0" smtClean="0"/>
+          </a:p>
+          <a:p>
+            <a:pPr marL="400050" lvl="1" indent="0">
+              <a:buNone/>
+            </a:pPr>
+            <a:endParaRPr lang="en-US" altLang="ko-KR" sz="4000" dirty="0"/>
+          </a:p>
+          <a:p>
+            <a:pPr marL="0" indent="0">
+              <a:buNone/>
+            </a:pPr>
+            <a:r>
+              <a:rPr lang="en-US" altLang="ko-KR" sz="5000" dirty="0"/>
+              <a:t>&lt;</a:t>
+            </a:r>
+            <a:r>
+              <a:rPr lang="ko-KR" altLang="en-US" sz="5000" dirty="0" smtClean="0"/>
+              <a:t>참고문헌</a:t>
+            </a:r>
+            <a:r>
+              <a:rPr lang="en-US" altLang="ko-KR" sz="5000" dirty="0" smtClean="0"/>
+              <a:t>&gt;</a:t>
+            </a:r>
+            <a:endParaRPr lang="en-US" altLang="ko-KR" sz="5000" dirty="0"/>
           </a:p>
         </p:txBody>
       </p:sp>
